--- a/Lab2/Lab 2 pre-lab.pptx
+++ b/Lab2/Lab 2 pre-lab.pptx
@@ -5,13 +5,14 @@
     <p:sldMasterId id="2147483648" r:id="rId1"/>
   </p:sldMasterIdLst>
   <p:handoutMasterIdLst>
-    <p:handoutMasterId r:id="rId6"/>
+    <p:handoutMasterId r:id="rId7"/>
   </p:handoutMasterIdLst>
   <p:sldIdLst>
     <p:sldId id="256" r:id="rId2"/>
-    <p:sldId id="260" r:id="rId3"/>
-    <p:sldId id="262" r:id="rId4"/>
-    <p:sldId id="261" r:id="rId5"/>
+    <p:sldId id="259" r:id="rId3"/>
+    <p:sldId id="260" r:id="rId4"/>
+    <p:sldId id="262" r:id="rId5"/>
+    <p:sldId id="261" r:id="rId6"/>
   </p:sldIdLst>
   <p:sldSz cx="12192000" cy="6858000"/>
   <p:notesSz cx="7010400" cy="9296400"/>
@@ -200,7 +201,7 @@
           <a:p>
             <a:fld id="{43828497-B133-47ED-BB19-42F4D3E0744C}" type="datetimeFigureOut">
               <a:rPr lang="en-US" smtClean="0"/>
-              <a:t>8/14/2020</a:t>
+              <a:t>8/15/2020</a:t>
             </a:fld>
             <a:endParaRPr lang="en-US"/>
           </a:p>
@@ -412,7 +413,7 @@
           <a:p>
             <a:fld id="{D8FB3228-FF70-4911-9C29-93CE4A8BFC98}" type="datetimeFigureOut">
               <a:rPr lang="en-US" smtClean="0"/>
-              <a:t>8/14/2020</a:t>
+              <a:t>8/15/2020</a:t>
             </a:fld>
             <a:endParaRPr lang="en-US"/>
           </a:p>
@@ -580,7 +581,7 @@
           <a:p>
             <a:fld id="{D8FB3228-FF70-4911-9C29-93CE4A8BFC98}" type="datetimeFigureOut">
               <a:rPr lang="en-US" smtClean="0"/>
-              <a:t>8/14/2020</a:t>
+              <a:t>8/15/2020</a:t>
             </a:fld>
             <a:endParaRPr lang="en-US"/>
           </a:p>
@@ -758,7 +759,7 @@
           <a:p>
             <a:fld id="{D8FB3228-FF70-4911-9C29-93CE4A8BFC98}" type="datetimeFigureOut">
               <a:rPr lang="en-US" smtClean="0"/>
-              <a:t>8/14/2020</a:t>
+              <a:t>8/15/2020</a:t>
             </a:fld>
             <a:endParaRPr lang="en-US"/>
           </a:p>
@@ -926,7 +927,7 @@
           <a:p>
             <a:fld id="{D8FB3228-FF70-4911-9C29-93CE4A8BFC98}" type="datetimeFigureOut">
               <a:rPr lang="en-US" smtClean="0"/>
-              <a:t>8/14/2020</a:t>
+              <a:t>8/15/2020</a:t>
             </a:fld>
             <a:endParaRPr lang="en-US"/>
           </a:p>
@@ -1171,7 +1172,7 @@
           <a:p>
             <a:fld id="{D8FB3228-FF70-4911-9C29-93CE4A8BFC98}" type="datetimeFigureOut">
               <a:rPr lang="en-US" smtClean="0"/>
-              <a:t>8/14/2020</a:t>
+              <a:t>8/15/2020</a:t>
             </a:fld>
             <a:endParaRPr lang="en-US"/>
           </a:p>
@@ -1400,7 +1401,7 @@
           <a:p>
             <a:fld id="{D8FB3228-FF70-4911-9C29-93CE4A8BFC98}" type="datetimeFigureOut">
               <a:rPr lang="en-US" smtClean="0"/>
-              <a:t>8/14/2020</a:t>
+              <a:t>8/15/2020</a:t>
             </a:fld>
             <a:endParaRPr lang="en-US"/>
           </a:p>
@@ -1764,7 +1765,7 @@
           <a:p>
             <a:fld id="{D8FB3228-FF70-4911-9C29-93CE4A8BFC98}" type="datetimeFigureOut">
               <a:rPr lang="en-US" smtClean="0"/>
-              <a:t>8/14/2020</a:t>
+              <a:t>8/15/2020</a:t>
             </a:fld>
             <a:endParaRPr lang="en-US"/>
           </a:p>
@@ -1881,7 +1882,7 @@
           <a:p>
             <a:fld id="{D8FB3228-FF70-4911-9C29-93CE4A8BFC98}" type="datetimeFigureOut">
               <a:rPr lang="en-US" smtClean="0"/>
-              <a:t>8/14/2020</a:t>
+              <a:t>8/15/2020</a:t>
             </a:fld>
             <a:endParaRPr lang="en-US"/>
           </a:p>
@@ -1976,7 +1977,7 @@
           <a:p>
             <a:fld id="{D8FB3228-FF70-4911-9C29-93CE4A8BFC98}" type="datetimeFigureOut">
               <a:rPr lang="en-US" smtClean="0"/>
-              <a:t>8/14/2020</a:t>
+              <a:t>8/15/2020</a:t>
             </a:fld>
             <a:endParaRPr lang="en-US"/>
           </a:p>
@@ -2251,7 +2252,7 @@
           <a:p>
             <a:fld id="{D8FB3228-FF70-4911-9C29-93CE4A8BFC98}" type="datetimeFigureOut">
               <a:rPr lang="en-US" smtClean="0"/>
-              <a:t>8/14/2020</a:t>
+              <a:t>8/15/2020</a:t>
             </a:fld>
             <a:endParaRPr lang="en-US"/>
           </a:p>
@@ -2503,7 +2504,7 @@
           <a:p>
             <a:fld id="{D8FB3228-FF70-4911-9C29-93CE4A8BFC98}" type="datetimeFigureOut">
               <a:rPr lang="en-US" smtClean="0"/>
-              <a:t>8/14/2020</a:t>
+              <a:t>8/15/2020</a:t>
             </a:fld>
             <a:endParaRPr lang="en-US"/>
           </a:p>
@@ -2714,7 +2715,7 @@
           <a:p>
             <a:fld id="{D8FB3228-FF70-4911-9C29-93CE4A8BFC98}" type="datetimeFigureOut">
               <a:rPr lang="en-US" smtClean="0"/>
-              <a:t>8/14/2020</a:t>
+              <a:t>8/15/2020</a:t>
             </a:fld>
             <a:endParaRPr lang="en-US"/>
           </a:p>
@@ -3227,31 +3228,229 @@
             <p:ph type="title"/>
           </p:nvPr>
         </p:nvSpPr>
-        <p:spPr/>
-        <p:txBody>
-          <a:bodyPr/>
-          <a:lstStyle/>
-          <a:p>
-            <a:r>
-              <a:rPr lang="en-US" dirty="0"/>
-              <a:t>Concepts Needed for Lab 2</a:t>
-            </a:r>
-          </a:p>
-        </p:txBody>
-      </p:sp>
-      <p:sp>
-        <p:nvSpPr>
-          <p:cNvPr id="3" name="Content Placeholder 2"/>
-          <p:cNvSpPr>
-            <a:spLocks noGrp="1"/>
-          </p:cNvSpPr>
-          <p:nvPr>
-            <p:ph idx="1"/>
-          </p:nvPr>
-        </p:nvSpPr>
         <p:spPr>
           <a:xfrm>
-            <a:off x="326571" y="1408922"/>
+            <a:off x="838200" y="365126"/>
+            <a:ext cx="10515600" cy="757822"/>
+          </a:xfrm>
+        </p:spPr>
+        <p:txBody>
+          <a:bodyPr/>
+          <a:lstStyle/>
+          <a:p>
+            <a:r>
+              <a:rPr lang="en-US" dirty="0"/>
+              <a:t>Categorical vs Quantitative Review</a:t>
+            </a:r>
+          </a:p>
+        </p:txBody>
+      </p:sp>
+      <p:sp>
+        <p:nvSpPr>
+          <p:cNvPr id="3" name="Content Placeholder 2"/>
+          <p:cNvSpPr>
+            <a:spLocks noGrp="1"/>
+          </p:cNvSpPr>
+          <p:nvPr>
+            <p:ph idx="1"/>
+          </p:nvPr>
+        </p:nvSpPr>
+        <p:spPr>
+          <a:xfrm>
+            <a:off x="838200" y="1122948"/>
+            <a:ext cx="10515600" cy="5054015"/>
+          </a:xfrm>
+        </p:spPr>
+        <p:txBody>
+          <a:bodyPr>
+            <a:normAutofit fontScale="92500" lnSpcReduction="20000"/>
+          </a:bodyPr>
+          <a:lstStyle/>
+          <a:p>
+            <a:pPr marL="457200" lvl="1" indent="0">
+              <a:buNone/>
+            </a:pPr>
+            <a:r>
+              <a:rPr lang="en-US" dirty="0"/>
+              <a:t>1.  Categorical variables:</a:t>
+            </a:r>
+            <a:endParaRPr lang="en-US" sz="3200" dirty="0"/>
+          </a:p>
+          <a:p>
+            <a:pPr lvl="2"/>
+            <a:r>
+              <a:rPr lang="en-US" dirty="0"/>
+              <a:t>Each observation belongs to one of a set of distinct categories.  </a:t>
+            </a:r>
+            <a:endParaRPr lang="en-US" sz="2800" dirty="0"/>
+          </a:p>
+          <a:p>
+            <a:pPr lvl="2"/>
+            <a:r>
+              <a:rPr lang="en-US" dirty="0"/>
+              <a:t>Yes/no response, gender, etc.  </a:t>
+            </a:r>
+            <a:endParaRPr lang="en-US" sz="2800" dirty="0"/>
+          </a:p>
+          <a:p>
+            <a:pPr lvl="1"/>
+            <a:endParaRPr lang="en-US" sz="2800" dirty="0"/>
+          </a:p>
+          <a:p>
+            <a:pPr marL="457200" lvl="1" indent="0">
+              <a:buNone/>
+            </a:pPr>
+            <a:r>
+              <a:rPr lang="en-US" dirty="0"/>
+              <a:t>2.  Quantitative variables:</a:t>
+            </a:r>
+            <a:endParaRPr lang="en-US" sz="3200" dirty="0"/>
+          </a:p>
+          <a:p>
+            <a:pPr lvl="2"/>
+            <a:r>
+              <a:rPr lang="en-US" dirty="0"/>
+              <a:t>Observations take on numerical values that represent different magnitudes of the variable.   </a:t>
+            </a:r>
+            <a:endParaRPr lang="en-US" sz="2800" dirty="0"/>
+          </a:p>
+          <a:p>
+            <a:pPr lvl="2"/>
+            <a:r>
+              <a:rPr lang="en-US" dirty="0"/>
+              <a:t>Age, income, number of siblings.  </a:t>
+            </a:r>
+            <a:endParaRPr lang="en-US" sz="2800" dirty="0"/>
+          </a:p>
+          <a:p>
+            <a:pPr lvl="2"/>
+            <a:r>
+              <a:rPr lang="en-US" dirty="0"/>
+              <a:t>Note that not all number responses are quantitative.   </a:t>
+            </a:r>
+            <a:endParaRPr lang="en-US" sz="2800" dirty="0"/>
+          </a:p>
+          <a:p>
+            <a:pPr lvl="2"/>
+            <a:r>
+              <a:rPr lang="en-US" dirty="0"/>
+              <a:t>Ask yourself:</a:t>
+            </a:r>
+            <a:endParaRPr lang="en-US" sz="2800" dirty="0"/>
+          </a:p>
+          <a:p>
+            <a:pPr lvl="3"/>
+            <a:r>
+              <a:rPr lang="en-US" dirty="0"/>
+              <a:t>Does the number tell you how much of something?  </a:t>
+            </a:r>
+            <a:endParaRPr lang="en-US" sz="2400" dirty="0"/>
+          </a:p>
+          <a:p>
+            <a:pPr lvl="4"/>
+            <a:r>
+              <a:rPr lang="en-US" dirty="0"/>
+              <a:t>If no then categorical.  </a:t>
+            </a:r>
+            <a:endParaRPr lang="en-US" sz="2400" dirty="0"/>
+          </a:p>
+          <a:p>
+            <a:pPr lvl="4"/>
+            <a:r>
+              <a:rPr lang="en-US" dirty="0"/>
+              <a:t>If yes then quantitative.</a:t>
+            </a:r>
+            <a:endParaRPr lang="en-US" sz="2400" dirty="0"/>
+          </a:p>
+          <a:p>
+            <a:pPr lvl="3"/>
+            <a:r>
+              <a:rPr lang="en-US" dirty="0"/>
+              <a:t>Would the average of the numbers give a meaningful result?</a:t>
+            </a:r>
+            <a:endParaRPr lang="en-US" sz="2400" dirty="0"/>
+          </a:p>
+          <a:p>
+            <a:pPr lvl="4"/>
+            <a:r>
+              <a:rPr lang="en-US" dirty="0"/>
+              <a:t>If no then categorical.</a:t>
+            </a:r>
+            <a:endParaRPr lang="en-US" sz="2400" dirty="0"/>
+          </a:p>
+          <a:p>
+            <a:pPr lvl="4"/>
+            <a:r>
+              <a:rPr lang="en-US" dirty="0"/>
+              <a:t>If yes then quantitative.  </a:t>
+            </a:r>
+          </a:p>
+          <a:p>
+            <a:pPr marL="1828800" lvl="4" indent="0">
+              <a:buNone/>
+            </a:pPr>
+            <a:endParaRPr lang="en-US" sz="2400" dirty="0"/>
+          </a:p>
+          <a:p>
+            <a:pPr marL="228600" lvl="2">
+              <a:spcBef>
+                <a:spcPts val="1000"/>
+              </a:spcBef>
+            </a:pPr>
+            <a:r>
+              <a:rPr lang="en-US" dirty="0"/>
+              <a:t>Examples of numbers that are not quantitative:  phone number, zip code, bank account numbers.   </a:t>
+            </a:r>
+            <a:endParaRPr lang="en-US" sz="2800" dirty="0"/>
+          </a:p>
+          <a:p>
+            <a:endParaRPr lang="en-US" dirty="0"/>
+          </a:p>
+        </p:txBody>
+      </p:sp>
+    </p:spTree>
+    <p:extLst>
+      <p:ext uri="{BB962C8B-B14F-4D97-AF65-F5344CB8AC3E}">
+        <p14:creationId xmlns:p14="http://schemas.microsoft.com/office/powerpoint/2010/main" val="3777576410"/>
+      </p:ext>
+    </p:extLst>
+  </p:cSld>
+  <p:clrMapOvr>
+    <a:masterClrMapping/>
+  </p:clrMapOvr>
+</p:sld>
+</file>
+
+<file path=ppt/slides/slide3.xml><?xml version="1.0" encoding="utf-8"?>
+<p:sld xmlns:a="http://schemas.openxmlformats.org/drawingml/2006/main" xmlns:r="http://schemas.openxmlformats.org/officeDocument/2006/relationships" xmlns:p="http://schemas.openxmlformats.org/presentationml/2006/main">
+  <p:cSld>
+    <p:spTree>
+      <p:nvGrpSpPr>
+        <p:cNvPr id="1" name=""/>
+        <p:cNvGrpSpPr/>
+        <p:nvPr/>
+      </p:nvGrpSpPr>
+      <p:grpSpPr>
+        <a:xfrm>
+          <a:off x="0" y="0"/>
+          <a:ext cx="0" cy="0"/>
+          <a:chOff x="0" y="0"/>
+          <a:chExt cx="0" cy="0"/>
+        </a:xfrm>
+      </p:grpSpPr>
+      <p:sp>
+        <p:nvSpPr>
+          <p:cNvPr id="3" name="Content Placeholder 2"/>
+          <p:cNvSpPr>
+            <a:spLocks noGrp="1"/>
+          </p:cNvSpPr>
+          <p:nvPr>
+            <p:ph idx="1"/>
+          </p:nvPr>
+        </p:nvSpPr>
+        <p:spPr>
+          <a:xfrm>
+            <a:off x="259515" y="464042"/>
             <a:ext cx="11027229" cy="4768041"/>
           </a:xfrm>
         </p:spPr>
@@ -3265,6 +3464,9 @@
             </a:r>
           </a:p>
           <a:p>
+            <a:endParaRPr lang="en-US" dirty="0"/>
+          </a:p>
+          <a:p>
             <a:pPr lvl="1"/>
             <a:r>
               <a:rPr lang="en-US" dirty="0"/>
@@ -3273,16 +3475,21 @@
           </a:p>
           <a:p>
             <a:pPr lvl="1"/>
+            <a:endParaRPr lang="en-US" dirty="0"/>
+          </a:p>
+          <a:p>
+            <a:pPr lvl="1"/>
+            <a:endParaRPr lang="en-US" dirty="0"/>
+          </a:p>
+          <a:p>
+            <a:pPr lvl="1"/>
+            <a:endParaRPr lang="en-US" dirty="0"/>
+          </a:p>
+          <a:p>
+            <a:pPr lvl="1"/>
             <a:r>
               <a:rPr lang="en-US" dirty="0"/>
               <a:t>Continuous Quantitative – results are numbers that represent a measurement.</a:t>
-            </a:r>
-          </a:p>
-          <a:p>
-            <a:pPr lvl="1"/>
-            <a:r>
-              <a:rPr lang="en-US" dirty="0"/>
-              <a:t>Categorical – numbers that are not counts or measurements and anything that is not a number.</a:t>
             </a:r>
           </a:p>
           <a:p>
@@ -3320,7 +3527,7 @@
 </p:sld>
 </file>
 
-<file path=ppt/slides/slide3.xml><?xml version="1.0" encoding="utf-8"?>
+<file path=ppt/slides/slide4.xml><?xml version="1.0" encoding="utf-8"?>
 <p:sld xmlns:a="http://schemas.openxmlformats.org/drawingml/2006/main" xmlns:r="http://schemas.openxmlformats.org/officeDocument/2006/relationships" xmlns:p="http://schemas.openxmlformats.org/presentationml/2006/main">
   <p:cSld>
     <p:spTree>
@@ -3380,7 +3587,7 @@
 </p:sld>
 </file>
 
-<file path=ppt/slides/slide4.xml><?xml version="1.0" encoding="utf-8"?>
+<file path=ppt/slides/slide5.xml><?xml version="1.0" encoding="utf-8"?>
 <p:sld xmlns:a="http://schemas.openxmlformats.org/drawingml/2006/main" xmlns:r="http://schemas.openxmlformats.org/officeDocument/2006/relationships" xmlns:p="http://schemas.openxmlformats.org/presentationml/2006/main">
   <p:cSld>
     <p:spTree>
